--- a/UC Admissions.pptx
+++ b/UC Admissions.pptx
@@ -30,7 +30,6 @@
     <p:sldId id="278" r:id="rId24"/>
     <p:sldId id="280" r:id="rId25"/>
     <p:sldId id="281" r:id="rId26"/>
-    <p:sldId id="258" r:id="rId27"/>
   </p:sldIdLst>
   <p:sldSz cx="12192000" cy="6858000"/>
   <p:notesSz cx="6858000" cy="9144000"/>
@@ -323,7 +322,7 @@
           <a:p>
             <a:fld id="{4AAD347D-5ACD-4C99-B74B-A9C85AD731AF}" type="datetimeFigureOut">
               <a:rPr lang="en-US" dirty="0"/>
-              <a:t>7/7/2016</a:t>
+              <a:t>7/22/2016</a:t>
             </a:fld>
             <a:endParaRPr lang="en-US" dirty="0"/>
           </a:p>
@@ -593,7 +592,7 @@
           <a:p>
             <a:fld id="{4509A250-FF31-4206-8172-F9D3106AACB1}" type="datetimeFigureOut">
               <a:rPr lang="en-US" dirty="0"/>
-              <a:t>7/7/2016</a:t>
+              <a:t>7/22/2016</a:t>
             </a:fld>
             <a:endParaRPr lang="en-US" dirty="0"/>
           </a:p>
@@ -782,7 +781,7 @@
           <a:p>
             <a:fld id="{4509A250-FF31-4206-8172-F9D3106AACB1}" type="datetimeFigureOut">
               <a:rPr lang="en-US" dirty="0"/>
-              <a:t>7/7/2016</a:t>
+              <a:t>7/22/2016</a:t>
             </a:fld>
             <a:endParaRPr lang="en-US" dirty="0"/>
           </a:p>
@@ -1050,7 +1049,7 @@
           <a:p>
             <a:fld id="{4509A250-FF31-4206-8172-F9D3106AACB1}" type="datetimeFigureOut">
               <a:rPr lang="en-US" dirty="0"/>
-              <a:t>7/7/2016</a:t>
+              <a:t>7/22/2016</a:t>
             </a:fld>
             <a:endParaRPr lang="en-US" dirty="0"/>
           </a:p>
@@ -1386,7 +1385,7 @@
           <a:p>
             <a:fld id="{4509A250-FF31-4206-8172-F9D3106AACB1}" type="datetimeFigureOut">
               <a:rPr lang="en-US" dirty="0"/>
-              <a:t>7/7/2016</a:t>
+              <a:t>7/22/2016</a:t>
             </a:fld>
             <a:endParaRPr lang="en-US" dirty="0"/>
           </a:p>
@@ -2004,7 +2003,7 @@
           <a:p>
             <a:fld id="{4509A250-FF31-4206-8172-F9D3106AACB1}" type="datetimeFigureOut">
               <a:rPr lang="en-US" dirty="0"/>
-              <a:t>7/7/2016</a:t>
+              <a:t>7/22/2016</a:t>
             </a:fld>
             <a:endParaRPr lang="en-US" dirty="0"/>
           </a:p>
@@ -2859,7 +2858,7 @@
           <a:p>
             <a:fld id="{4509A250-FF31-4206-8172-F9D3106AACB1}" type="datetimeFigureOut">
               <a:rPr lang="en-US" dirty="0"/>
-              <a:t>7/7/2016</a:t>
+              <a:t>7/22/2016</a:t>
             </a:fld>
             <a:endParaRPr lang="en-US" dirty="0"/>
           </a:p>
@@ -3024,7 +3023,7 @@
           <a:p>
             <a:fld id="{4509A250-FF31-4206-8172-F9D3106AACB1}" type="datetimeFigureOut">
               <a:rPr lang="en-US" dirty="0"/>
-              <a:t>7/7/2016</a:t>
+              <a:t>7/22/2016</a:t>
             </a:fld>
             <a:endParaRPr lang="en-US" dirty="0"/>
           </a:p>
@@ -3199,7 +3198,7 @@
           <a:p>
             <a:fld id="{4509A250-FF31-4206-8172-F9D3106AACB1}" type="datetimeFigureOut">
               <a:rPr lang="en-US" dirty="0"/>
-              <a:t>7/7/2016</a:t>
+              <a:t>7/22/2016</a:t>
             </a:fld>
             <a:endParaRPr lang="en-US" dirty="0"/>
           </a:p>
@@ -3364,7 +3363,7 @@
           <a:p>
             <a:fld id="{4509A250-FF31-4206-8172-F9D3106AACB1}" type="datetimeFigureOut">
               <a:rPr lang="en-US" dirty="0"/>
-              <a:t>7/7/2016</a:t>
+              <a:t>7/22/2016</a:t>
             </a:fld>
             <a:endParaRPr lang="en-US" dirty="0"/>
           </a:p>
@@ -3606,7 +3605,7 @@
           <a:p>
             <a:fld id="{9796027F-7875-4030-9381-8BD8C4F21935}" type="datetimeFigureOut">
               <a:rPr lang="en-US" dirty="0"/>
-              <a:t>7/7/2016</a:t>
+              <a:t>7/22/2016</a:t>
             </a:fld>
             <a:endParaRPr lang="en-US" dirty="0"/>
           </a:p>
@@ -3893,7 +3892,7 @@
           <a:p>
             <a:fld id="{9796027F-7875-4030-9381-8BD8C4F21935}" type="datetimeFigureOut">
               <a:rPr lang="en-US" dirty="0"/>
-              <a:t>7/7/2016</a:t>
+              <a:t>7/22/2016</a:t>
             </a:fld>
             <a:endParaRPr lang="en-US" dirty="0"/>
           </a:p>
@@ -4332,7 +4331,7 @@
           <a:p>
             <a:fld id="{9796027F-7875-4030-9381-8BD8C4F21935}" type="datetimeFigureOut">
               <a:rPr lang="en-US" dirty="0"/>
-              <a:t>7/7/2016</a:t>
+              <a:t>7/22/2016</a:t>
             </a:fld>
             <a:endParaRPr lang="en-US" dirty="0"/>
           </a:p>
@@ -4445,7 +4444,7 @@
           <a:p>
             <a:fld id="{4509A250-FF31-4206-8172-F9D3106AACB1}" type="datetimeFigureOut">
               <a:rPr lang="en-US" dirty="0"/>
-              <a:t>7/7/2016</a:t>
+              <a:t>7/22/2016</a:t>
             </a:fld>
             <a:endParaRPr lang="en-US" dirty="0"/>
           </a:p>
@@ -4535,7 +4534,7 @@
           <a:p>
             <a:fld id="{4509A250-FF31-4206-8172-F9D3106AACB1}" type="datetimeFigureOut">
               <a:rPr lang="en-US" dirty="0"/>
-              <a:t>7/7/2016</a:t>
+              <a:t>7/22/2016</a:t>
             </a:fld>
             <a:endParaRPr lang="en-US" dirty="0"/>
           </a:p>
@@ -4809,7 +4808,7 @@
           <a:p>
             <a:fld id="{4509A250-FF31-4206-8172-F9D3106AACB1}" type="datetimeFigureOut">
               <a:rPr lang="en-US" dirty="0"/>
-              <a:t>7/7/2016</a:t>
+              <a:t>7/22/2016</a:t>
             </a:fld>
             <a:endParaRPr lang="en-US" dirty="0"/>
           </a:p>
@@ -5079,7 +5078,7 @@
           <a:p>
             <a:fld id="{4509A250-FF31-4206-8172-F9D3106AACB1}" type="datetimeFigureOut">
               <a:rPr lang="en-US" dirty="0"/>
-              <a:t>7/7/2016</a:t>
+              <a:t>7/22/2016</a:t>
             </a:fld>
             <a:endParaRPr lang="en-US" dirty="0"/>
           </a:p>
@@ -5503,7 +5502,7 @@
           <a:p>
             <a:fld id="{4AAD347D-5ACD-4C99-B74B-A9C85AD731AF}" type="datetimeFigureOut">
               <a:rPr lang="en-US" dirty="0"/>
-              <a:t>7/7/2016</a:t>
+              <a:t>7/22/2016</a:t>
             </a:fld>
             <a:endParaRPr lang="en-US" dirty="0"/>
           </a:p>
@@ -6645,7 +6644,7 @@
             </a:pPr>
             <a:r>
               <a:rPr lang="en-US" dirty="0"/>
-              <a:t>I built some quick n’ dirty models to see what would work (including a logistic regression with a normalized scale for income and a random forest) but the most promising model was, as I suspected, a KNN model.</a:t>
+              <a:t>I built some sample models to see what would work (including a logistic regression with a normalized scale for income and a random forest) but the most promising model was, as I suspected, a KNN model.</a:t>
             </a:r>
           </a:p>
           <a:p>
@@ -8064,7 +8063,7 @@
             </a:pPr>
             <a:r>
               <a:rPr lang="en-US" dirty="0"/>
-              <a:t>So, the PCA stuff was cool, but our best model is a KNN model that only has student GPA and city income as features. Its predictions are better than 93% accurate!</a:t>
+              <a:t>So, the PCA stuff was interesting, but our best model is a KNN model that only has student GPA and city income as features. Its predictions are better than 93% accurate!</a:t>
             </a:r>
           </a:p>
           <a:p>
@@ -8150,7 +8149,7 @@
             </a:pPr>
             <a:r>
               <a:rPr lang="en-US" dirty="0"/>
-              <a:t>So, the PCA stuff was cool, but our best model is a KNN model that only has student GPA and city income as features. Its predictions are better than 93% accurate!</a:t>
+              <a:t>So, the PCA stuff was interesting, but our best model is a KNN model that only has student GPA and city income as features. Its predictions are better than 93% accurate!</a:t>
             </a:r>
           </a:p>
           <a:p>
@@ -8433,119 +8432,6 @@
 </p:sld>
 </file>
 
-<file path=ppt/slides/slide26.xml><?xml version="1.0" encoding="utf-8"?>
-<p:sld xmlns:a="http://schemas.openxmlformats.org/drawingml/2006/main" xmlns:r="http://schemas.openxmlformats.org/officeDocument/2006/relationships" xmlns:p="http://schemas.openxmlformats.org/presentationml/2006/main">
-  <p:cSld>
-    <p:spTree>
-      <p:nvGrpSpPr>
-        <p:cNvPr id="1" name=""/>
-        <p:cNvGrpSpPr/>
-        <p:nvPr/>
-      </p:nvGrpSpPr>
-      <p:grpSpPr>
-        <a:xfrm>
-          <a:off x="0" y="0"/>
-          <a:ext cx="0" cy="0"/>
-          <a:chOff x="0" y="0"/>
-          <a:chExt cx="0" cy="0"/>
-        </a:xfrm>
-      </p:grpSpPr>
-      <p:sp>
-        <p:nvSpPr>
-          <p:cNvPr id="2" name="Title 1"/>
-          <p:cNvSpPr>
-            <a:spLocks noGrp="1"/>
-          </p:cNvSpPr>
-          <p:nvPr>
-            <p:ph type="title"/>
-          </p:nvPr>
-        </p:nvSpPr>
-        <p:spPr/>
-        <p:txBody>
-          <a:bodyPr/>
-          <a:lstStyle/>
-          <a:p>
-            <a:r>
-              <a:rPr lang="en-US" dirty="0"/>
-              <a:t>Acknowledgements</a:t>
-            </a:r>
-          </a:p>
-        </p:txBody>
-      </p:sp>
-      <p:sp>
-        <p:nvSpPr>
-          <p:cNvPr id="3" name="Content Placeholder 2"/>
-          <p:cNvSpPr>
-            <a:spLocks noGrp="1"/>
-          </p:cNvSpPr>
-          <p:nvPr>
-            <p:ph idx="1"/>
-          </p:nvPr>
-        </p:nvSpPr>
-        <p:spPr>
-          <a:xfrm>
-            <a:off x="1104293" y="2069544"/>
-            <a:ext cx="8946541" cy="4195481"/>
-          </a:xfrm>
-        </p:spPr>
-        <p:txBody>
-          <a:bodyPr/>
-          <a:lstStyle/>
-          <a:p>
-            <a:pPr marL="0" indent="0">
-              <a:buNone/>
-            </a:pPr>
-            <a:r>
-              <a:rPr lang="en-US" dirty="0"/>
-              <a:t>Thanks to Ivan </a:t>
-            </a:r>
-            <a:r>
-              <a:rPr lang="en-US" dirty="0" err="1"/>
-              <a:t>Corneillet</a:t>
-            </a:r>
-            <a:r>
-              <a:rPr lang="en-US" dirty="0"/>
-              <a:t>, Bob Stark, and my GA classmates!</a:t>
-            </a:r>
-          </a:p>
-          <a:p>
-            <a:pPr marL="0" indent="0">
-              <a:buNone/>
-            </a:pPr>
-            <a:endParaRPr lang="en-US" dirty="0"/>
-          </a:p>
-          <a:p>
-            <a:pPr marL="0" indent="0">
-              <a:buNone/>
-            </a:pPr>
-            <a:r>
-              <a:rPr lang="en-US" dirty="0"/>
-              <a:t>(That is to say: thanks, </a:t>
-            </a:r>
-            <a:r>
-              <a:rPr lang="en-US" dirty="0" err="1"/>
-              <a:t>y’all</a:t>
-            </a:r>
-            <a:r>
-              <a:rPr lang="en-US" dirty="0"/>
-              <a:t>!)</a:t>
-            </a:r>
-          </a:p>
-        </p:txBody>
-      </p:sp>
-    </p:spTree>
-    <p:extLst>
-      <p:ext uri="{BB962C8B-B14F-4D97-AF65-F5344CB8AC3E}">
-        <p14:creationId xmlns:p14="http://schemas.microsoft.com/office/powerpoint/2010/main" val="1850211897"/>
-      </p:ext>
-    </p:extLst>
-  </p:cSld>
-  <p:clrMapOvr>
-    <a:masterClrMapping/>
-  </p:clrMapOvr>
-</p:sld>
-</file>
-
 <file path=ppt/slides/slide3.xml><?xml version="1.0" encoding="utf-8"?>
 <p:sld xmlns:a="http://schemas.openxmlformats.org/drawingml/2006/main" xmlns:r="http://schemas.openxmlformats.org/officeDocument/2006/relationships" xmlns:p="http://schemas.openxmlformats.org/presentationml/2006/main">
   <p:cSld>
@@ -9127,7 +9013,7 @@
             </a:pPr>
             <a:r>
               <a:rPr lang="en-US" dirty="0"/>
-              <a:t>I now have something like student-level data for the 90,488 students that applied!</a:t>
+              <a:t>This results in something like student-level data for the 90,488 students that applied</a:t>
             </a:r>
           </a:p>
         </p:txBody>
